--- a/02-context.pptx
+++ b/02-context.pptx
@@ -256,7 +256,7 @@
               <a:rPr lang="en-US" smtClean="0">
                 <a:latin typeface="Segoe UI" pitchFamily="34" charset="0"/>
               </a:rPr>
-              <a:t>4/1/19 6:19 PM</a:t>
+              <a:t>3/10/20 10:13 AM</a:t>
             </a:fld>
             <a:endParaRPr lang="en-US" dirty="0">
               <a:latin typeface="Segoe UI" pitchFamily="34" charset="0"/>
@@ -553,7 +553,7 @@
           <a:p>
             <a:fld id="{D18B56EA-E28F-4F92-9F16-7A6F2501B303}" type="datetime8">
               <a:rPr lang="en-US" smtClean="0"/>
-              <a:t>4/1/19 6:19 PM</a:t>
+              <a:t>3/10/20 10:13 AM</a:t>
             </a:fld>
             <a:endParaRPr lang="en-US" dirty="0"/>
           </a:p>
@@ -842,7 +842,7 @@
           <a:bodyPr/>
           <a:lstStyle/>
           <a:p>
-            <a:endParaRPr lang="en-US"/>
+            <a:endParaRPr lang="en-US" dirty="0"/>
           </a:p>
         </p:txBody>
       </p:sp>
@@ -936,7 +936,7 @@
           <a:p>
             <a:fld id="{D18B56EA-E28F-4F92-9F16-7A6F2501B303}" type="datetime8">
               <a:rPr lang="en-US" smtClean="0"/>
-              <a:t>4/1/19 6:23 PM</a:t>
+              <a:t>3/10/20 10:13 AM</a:t>
             </a:fld>
             <a:endParaRPr lang="en-US" dirty="0"/>
           </a:p>
@@ -1023,7 +1023,13 @@
           <a:bodyPr/>
           <a:lstStyle/>
           <a:p>
-            <a:endParaRPr lang="en-US"/>
+            <a:r>
+              <a:rPr lang="en-US" dirty="0"/>
+              <a:t>In this unit, you'll learn how to conditionally display information depending if the SharePoint Framework client-side web part is running in a SharePoint or Microsoft Teams environment.</a:t>
+            </a:r>
+          </a:p>
+          <a:p>
+            <a:endParaRPr lang="en-US" dirty="0"/>
           </a:p>
         </p:txBody>
       </p:sp>
@@ -1117,7 +1123,7 @@
           <a:p>
             <a:fld id="{D18B56EA-E28F-4F92-9F16-7A6F2501B303}" type="datetime8">
               <a:rPr lang="en-US" smtClean="0"/>
-              <a:t>4/1/19 6:24 PM</a:t>
+              <a:t>3/10/20 11:55 AM</a:t>
             </a:fld>
             <a:endParaRPr lang="en-US" dirty="0"/>
           </a:p>
@@ -1204,7 +1210,101 @@
           <a:bodyPr/>
           <a:lstStyle/>
           <a:p>
+            <a:r>
+              <a:rPr lang="en-US" dirty="0"/>
+              <a:t>All SharePoint components, including client-side web parts, have access to the current context. The context, available from the `</a:t>
+            </a:r>
+            <a:r>
+              <a:rPr lang="en-US" dirty="0" err="1"/>
+              <a:t>this.context</a:t>
+            </a:r>
+            <a:r>
+              <a:rPr lang="en-US" dirty="0"/>
+              <a:t>` object, gives your components access to details about the page the component is running on.</a:t>
+            </a:r>
+          </a:p>
+          <a:p>
             <a:endParaRPr lang="en-US" dirty="0"/>
+          </a:p>
+          <a:p>
+            <a:r>
+              <a:rPr lang="en-US" dirty="0"/>
+              <a:t>Your component can use the page's context, accessible from the `</a:t>
+            </a:r>
+            <a:r>
+              <a:rPr lang="en-US" dirty="0" err="1"/>
+              <a:t>this.context.pageContext</a:t>
+            </a:r>
+            <a:r>
+              <a:rPr lang="en-US" dirty="0"/>
+              <a:t>` object, to get information about the current site site collection, site, page, and user.</a:t>
+            </a:r>
+          </a:p>
+          <a:p>
+            <a:endParaRPr lang="en-US" dirty="0"/>
+          </a:p>
+          <a:p>
+            <a:r>
+              <a:rPr lang="en-US" dirty="0"/>
+              <a:t>Microsoft introduced a new context in the SharePoint Framework v1.8 release when they added support for deploying client-side web parts as Microsoft Teams tabs. The `</a:t>
+            </a:r>
+            <a:r>
+              <a:rPr lang="en-US" dirty="0" err="1"/>
+              <a:t>this.context.microsoftTeams</a:t>
+            </a:r>
+            <a:r>
+              <a:rPr lang="en-US" dirty="0"/>
+              <a:t>` object is a reference </a:t>
+            </a:r>
+            <a:r>
+              <a:rPr lang="en-US" dirty="0" err="1"/>
+              <a:t>ot</a:t>
+            </a:r>
+            <a:r>
+              <a:rPr lang="en-US" dirty="0"/>
+              <a:t> the `</a:t>
+            </a:r>
+            <a:r>
+              <a:rPr lang="en-US" dirty="0" err="1"/>
+              <a:t>microsoftTeams</a:t>
+            </a:r>
+            <a:r>
+              <a:rPr lang="en-US" dirty="0"/>
+              <a:t>` object available in the **\@</a:t>
+            </a:r>
+            <a:r>
+              <a:rPr lang="en-US" dirty="0" err="1"/>
+              <a:t>microsoft</a:t>
+            </a:r>
+            <a:r>
+              <a:rPr lang="en-US" dirty="0"/>
+              <a:t>\teams-</a:t>
+            </a:r>
+            <a:r>
+              <a:rPr lang="en-US" dirty="0" err="1"/>
+              <a:t>js</a:t>
+            </a:r>
+            <a:r>
+              <a:rPr lang="en-US" dirty="0"/>
+              <a:t>** package.</a:t>
+            </a:r>
+          </a:p>
+          <a:p>
+            <a:endParaRPr lang="en-US" dirty="0"/>
+          </a:p>
+          <a:p>
+            <a:r>
+              <a:rPr lang="en-US" dirty="0"/>
+              <a:t>A client-side web part can detect if it is running in SharePoint or Microsoft Teams by checking if the `</a:t>
+            </a:r>
+            <a:r>
+              <a:rPr lang="en-US" dirty="0" err="1"/>
+              <a:t>microsoftTeams</a:t>
+            </a:r>
+            <a:r>
+              <a:rPr lang="en-US" dirty="0"/>
+              <a:t>` object is set to a value or is undefined. If it is `undefined`, then the component is not running in Microsoft Teams.</a:t>
+            </a:r>
           </a:p>
         </p:txBody>
       </p:sp>
@@ -1366,7 +1466,85 @@
           <a:bodyPr/>
           <a:lstStyle/>
           <a:p>
-            <a:endParaRPr lang="en-US"/>
+            <a:r>
+              <a:rPr lang="en-US" dirty="0"/>
+              <a:t>Let's look at how your component can work with the Microsoft Teams context.</a:t>
+            </a:r>
+          </a:p>
+          <a:p>
+            <a:endParaRPr lang="en-US" dirty="0"/>
+          </a:p>
+          <a:p>
+            <a:r>
+              <a:rPr lang="en-US" dirty="0"/>
+              <a:t>First, you need to import a reference for the **\@</a:t>
+            </a:r>
+            <a:r>
+              <a:rPr lang="en-US" dirty="0" err="1"/>
+              <a:t>microsoft</a:t>
+            </a:r>
+            <a:r>
+              <a:rPr lang="en-US" dirty="0"/>
+              <a:t>/teams-</a:t>
+            </a:r>
+            <a:r>
+              <a:rPr lang="en-US" dirty="0" err="1"/>
+              <a:t>js</a:t>
+            </a:r>
+            <a:r>
+              <a:rPr lang="en-US" dirty="0"/>
+              <a:t>** package.</a:t>
+            </a:r>
+          </a:p>
+          <a:p>
+            <a:endParaRPr lang="en-US" dirty="0"/>
+          </a:p>
+          <a:p>
+            <a:r>
+              <a:rPr lang="en-US" dirty="0"/>
+              <a:t>Next, check to see if the component is running within Microsoft Teams and if so, get a reference to the Microsoft Teams context. This is best done in the component's `</a:t>
+            </a:r>
+            <a:r>
+              <a:rPr lang="en-US" dirty="0" err="1"/>
+              <a:t>onInit</a:t>
+            </a:r>
+            <a:r>
+              <a:rPr lang="en-US" dirty="0"/>
+              <a:t>()` method when it is added to the page. In this code, notice how the `</a:t>
+            </a:r>
+            <a:r>
+              <a:rPr lang="en-US" dirty="0" err="1"/>
+              <a:t>onInit</a:t>
+            </a:r>
+            <a:r>
+              <a:rPr lang="en-US" dirty="0"/>
+              <a:t>()` method checks if the `</a:t>
+            </a:r>
+            <a:r>
+              <a:rPr lang="en-US" dirty="0" err="1"/>
+              <a:t>this.context.microsoftTeams</a:t>
+            </a:r>
+            <a:r>
+              <a:rPr lang="en-US" dirty="0"/>
+              <a:t>` object is defined. If it is, it calls the `</a:t>
+            </a:r>
+            <a:r>
+              <a:rPr lang="en-US" dirty="0" err="1"/>
+              <a:t>getContext</a:t>
+            </a:r>
+            <a:r>
+              <a:rPr lang="en-US" dirty="0"/>
+              <a:t>()` method to request the Microsoft Teams context. This method passes the populated Microsoft Teams context into a callback that we can make a copy of.</a:t>
+            </a:r>
+          </a:p>
+          <a:p>
+            <a:endParaRPr lang="en-US" dirty="0"/>
+          </a:p>
+          <a:p>
+            <a:r>
+              <a:rPr lang="en-US" dirty="0"/>
+              <a:t>Finally, using the context, your code can check if the web part is running in SharePoint or Microsoft Teams and display the current site or team name depending on the scenario.</a:t>
+            </a:r>
           </a:p>
         </p:txBody>
       </p:sp>
@@ -1377,7 +1555,7 @@
             <a:spLocks noGrp="1"/>
           </p:cNvSpPr>
           <p:nvPr>
-            <p:ph type="hdr" sz="quarter" idx="10"/>
+            <p:ph type="hdr" sz="quarter"/>
           </p:nvPr>
         </p:nvSpPr>
         <p:spPr/>
@@ -1385,6 +1563,10 @@
           <a:bodyPr/>
           <a:lstStyle/>
           <a:p>
+            <a:r>
+              <a:rPr lang="en-US"/>
+              <a:t>SharePoint Framework</a:t>
+            </a:r>
             <a:endParaRPr lang="en-US" dirty="0"/>
           </a:p>
         </p:txBody>
@@ -1396,7 +1578,7 @@
             <a:spLocks noGrp="1"/>
           </p:cNvSpPr>
           <p:nvPr>
-            <p:ph type="ftr" sz="quarter" idx="11"/>
+            <p:ph type="ftr" sz="quarter" idx="4"/>
           </p:nvPr>
         </p:nvSpPr>
         <p:spPr/>
@@ -1450,7 +1632,7 @@
             <a:spLocks noGrp="1"/>
           </p:cNvSpPr>
           <p:nvPr>
-            <p:ph type="dt" idx="12"/>
+            <p:ph type="dt" idx="1"/>
           </p:nvPr>
         </p:nvSpPr>
         <p:spPr/>
@@ -1460,7 +1642,7 @@
           <a:p>
             <a:fld id="{D18B56EA-E28F-4F92-9F16-7A6F2501B303}" type="datetime8">
               <a:rPr lang="en-US" smtClean="0"/>
-              <a:t>4/1/19 6:19 PM</a:t>
+              <a:t>3/10/20 12:11 PM</a:t>
             </a:fld>
             <a:endParaRPr lang="en-US" dirty="0"/>
           </a:p>
@@ -1473,7 +1655,7 @@
             <a:spLocks noGrp="1"/>
           </p:cNvSpPr>
           <p:nvPr>
-            <p:ph type="sldNum" sz="quarter" idx="13"/>
+            <p:ph type="sldNum" sz="quarter" idx="5"/>
           </p:nvPr>
         </p:nvSpPr>
         <p:spPr/>
@@ -1484,7 +1666,7 @@
             <a:fld id="{B4008EB6-D09E-4580-8CD6-DDB14511944F}" type="slidenum">
               <a:rPr lang="en-US" smtClean="0"/>
               <a:pPr/>
-              <a:t>5</a:t>
+              <a:t>4</a:t>
             </a:fld>
             <a:endParaRPr lang="en-US" dirty="0"/>
           </a:p>
@@ -1493,7 +1675,7 @@
     </p:spTree>
     <p:extLst>
       <p:ext uri="{BB962C8B-B14F-4D97-AF65-F5344CB8AC3E}">
-        <p14:creationId xmlns:p14="http://schemas.microsoft.com/office/powerpoint/2010/main" val="3738293785"/>
+        <p14:creationId xmlns:p14="http://schemas.microsoft.com/office/powerpoint/2010/main" val="973593948"/>
       </p:ext>
     </p:extLst>
   </p:cSld>
@@ -1547,7 +1729,7 @@
           <a:bodyPr/>
           <a:lstStyle/>
           <a:p>
-            <a:endParaRPr lang="en-US" dirty="0"/>
+            <a:endParaRPr lang="en-US"/>
           </a:p>
         </p:txBody>
       </p:sp>
@@ -1641,7 +1823,7 @@
           <a:p>
             <a:fld id="{D18B56EA-E28F-4F92-9F16-7A6F2501B303}" type="datetime8">
               <a:rPr lang="en-US" smtClean="0"/>
-              <a:t>4/1/19 6:26 PM</a:t>
+              <a:t>3/10/20 10:13 AM</a:t>
             </a:fld>
             <a:endParaRPr lang="en-US" dirty="0"/>
           </a:p>
@@ -1665,7 +1847,7 @@
             <a:fld id="{B4008EB6-D09E-4580-8CD6-DDB14511944F}" type="slidenum">
               <a:rPr lang="en-US" smtClean="0"/>
               <a:pPr/>
-              <a:t>7</a:t>
+              <a:t>5</a:t>
             </a:fld>
             <a:endParaRPr lang="en-US" dirty="0"/>
           </a:p>
@@ -1674,7 +1856,7 @@
     </p:spTree>
     <p:extLst>
       <p:ext uri="{BB962C8B-B14F-4D97-AF65-F5344CB8AC3E}">
-        <p14:creationId xmlns:p14="http://schemas.microsoft.com/office/powerpoint/2010/main" val="3282806226"/>
+        <p14:creationId xmlns:p14="http://schemas.microsoft.com/office/powerpoint/2010/main" val="3738293785"/>
       </p:ext>
     </p:extLst>
   </p:cSld>
@@ -1728,7 +1910,7 @@
           <a:bodyPr/>
           <a:lstStyle/>
           <a:p>
-            <a:endParaRPr lang="en-US"/>
+            <a:endParaRPr lang="en-US" dirty="0"/>
           </a:p>
         </p:txBody>
       </p:sp>
@@ -1822,7 +2004,7 @@
           <a:p>
             <a:fld id="{D18B56EA-E28F-4F92-9F16-7A6F2501B303}" type="datetime8">
               <a:rPr lang="en-US" smtClean="0"/>
-              <a:t>4/1/19 6:19 PM</a:t>
+              <a:t>3/10/20 10:13 AM</a:t>
             </a:fld>
             <a:endParaRPr lang="en-US" dirty="0"/>
           </a:p>
@@ -1846,7 +2028,7 @@
             <a:fld id="{B4008EB6-D09E-4580-8CD6-DDB14511944F}" type="slidenum">
               <a:rPr lang="en-US" smtClean="0"/>
               <a:pPr/>
-              <a:t>8</a:t>
+              <a:t>7</a:t>
             </a:fld>
             <a:endParaRPr lang="en-US" dirty="0"/>
           </a:p>
@@ -1855,7 +2037,7 @@
     </p:spTree>
     <p:extLst>
       <p:ext uri="{BB962C8B-B14F-4D97-AF65-F5344CB8AC3E}">
-        <p14:creationId xmlns:p14="http://schemas.microsoft.com/office/powerpoint/2010/main" val="2510823477"/>
+        <p14:creationId xmlns:p14="http://schemas.microsoft.com/office/powerpoint/2010/main" val="3282806226"/>
       </p:ext>
     </p:extLst>
   </p:cSld>
@@ -2003,7 +2185,188 @@
           <a:p>
             <a:fld id="{D18B56EA-E28F-4F92-9F16-7A6F2501B303}" type="datetime8">
               <a:rPr lang="en-US" smtClean="0"/>
-              <a:t>4/1/19 6:19 PM</a:t>
+              <a:t>3/10/20 10:13 AM</a:t>
+            </a:fld>
+            <a:endParaRPr lang="en-US" dirty="0"/>
+          </a:p>
+        </p:txBody>
+      </p:sp>
+      <p:sp>
+        <p:nvSpPr>
+          <p:cNvPr id="7" name="Slide Number Placeholder 6"/>
+          <p:cNvSpPr>
+            <a:spLocks noGrp="1"/>
+          </p:cNvSpPr>
+          <p:nvPr>
+            <p:ph type="sldNum" sz="quarter" idx="13"/>
+          </p:nvPr>
+        </p:nvSpPr>
+        <p:spPr/>
+        <p:txBody>
+          <a:bodyPr/>
+          <a:lstStyle/>
+          <a:p>
+            <a:fld id="{B4008EB6-D09E-4580-8CD6-DDB14511944F}" type="slidenum">
+              <a:rPr lang="en-US" smtClean="0"/>
+              <a:pPr/>
+              <a:t>8</a:t>
+            </a:fld>
+            <a:endParaRPr lang="en-US" dirty="0"/>
+          </a:p>
+        </p:txBody>
+      </p:sp>
+    </p:spTree>
+    <p:extLst>
+      <p:ext uri="{BB962C8B-B14F-4D97-AF65-F5344CB8AC3E}">
+        <p14:creationId xmlns:p14="http://schemas.microsoft.com/office/powerpoint/2010/main" val="2510823477"/>
+      </p:ext>
+    </p:extLst>
+  </p:cSld>
+  <p:clrMapOvr>
+    <a:masterClrMapping/>
+  </p:clrMapOvr>
+</p:notes>
+</file>
+
+<file path=ppt/notesSlides/notesSlide8.xml><?xml version="1.0" encoding="utf-8"?>
+<p:notes xmlns:a="http://schemas.openxmlformats.org/drawingml/2006/main" xmlns:r="http://schemas.openxmlformats.org/officeDocument/2006/relationships" xmlns:p="http://schemas.openxmlformats.org/presentationml/2006/main">
+  <p:cSld>
+    <p:spTree>
+      <p:nvGrpSpPr>
+        <p:cNvPr id="1" name=""/>
+        <p:cNvGrpSpPr/>
+        <p:nvPr/>
+      </p:nvGrpSpPr>
+      <p:grpSpPr>
+        <a:xfrm>
+          <a:off x="0" y="0"/>
+          <a:ext cx="0" cy="0"/>
+          <a:chOff x="0" y="0"/>
+          <a:chExt cx="0" cy="0"/>
+        </a:xfrm>
+      </p:grpSpPr>
+      <p:sp>
+        <p:nvSpPr>
+          <p:cNvPr id="2" name="Slide Image Placeholder 1"/>
+          <p:cNvSpPr>
+            <a:spLocks noGrp="1" noRot="1" noChangeAspect="1"/>
+          </p:cNvSpPr>
+          <p:nvPr>
+            <p:ph type="sldImg"/>
+          </p:nvPr>
+        </p:nvSpPr>
+        <p:spPr/>
+      </p:sp>
+      <p:sp>
+        <p:nvSpPr>
+          <p:cNvPr id="3" name="Notes Placeholder 2"/>
+          <p:cNvSpPr>
+            <a:spLocks noGrp="1"/>
+          </p:cNvSpPr>
+          <p:nvPr>
+            <p:ph type="body" idx="1"/>
+          </p:nvPr>
+        </p:nvSpPr>
+        <p:spPr/>
+        <p:txBody>
+          <a:bodyPr/>
+          <a:lstStyle/>
+          <a:p>
+            <a:endParaRPr lang="en-US"/>
+          </a:p>
+        </p:txBody>
+      </p:sp>
+      <p:sp>
+        <p:nvSpPr>
+          <p:cNvPr id="4" name="Header Placeholder 3"/>
+          <p:cNvSpPr>
+            <a:spLocks noGrp="1"/>
+          </p:cNvSpPr>
+          <p:nvPr>
+            <p:ph type="hdr" sz="quarter" idx="10"/>
+          </p:nvPr>
+        </p:nvSpPr>
+        <p:spPr/>
+        <p:txBody>
+          <a:bodyPr/>
+          <a:lstStyle/>
+          <a:p>
+            <a:endParaRPr lang="en-US" dirty="0"/>
+          </a:p>
+        </p:txBody>
+      </p:sp>
+      <p:sp>
+        <p:nvSpPr>
+          <p:cNvPr id="5" name="Footer Placeholder 4"/>
+          <p:cNvSpPr>
+            <a:spLocks noGrp="1"/>
+          </p:cNvSpPr>
+          <p:nvPr>
+            <p:ph type="ftr" sz="quarter" idx="11"/>
+          </p:nvPr>
+        </p:nvSpPr>
+        <p:spPr/>
+        <p:txBody>
+          <a:bodyPr/>
+          <a:lstStyle/>
+          <a:p>
+            <a:pPr defTabSz="914099" eaLnBrk="0" hangingPunct="0"/>
+            <a:r>
+              <a:rPr lang="en-US" sz="400">
+                <a:gradFill>
+                  <a:gsLst>
+                    <a:gs pos="0">
+                      <a:prstClr val="black"/>
+                    </a:gs>
+                    <a:gs pos="100000">
+                      <a:prstClr val="black"/>
+                    </a:gs>
+                  </a:gsLst>
+                  <a:lin ang="5400000" scaled="0"/>
+                </a:gradFill>
+                <a:latin typeface="Segoe UI" pitchFamily="34" charset="0"/>
+                <a:ea typeface="Segoe UI" pitchFamily="34" charset="0"/>
+                <a:cs typeface="Segoe UI" pitchFamily="34" charset="0"/>
+              </a:rPr>
+              <a:t>© Microsoft Corporation. All rights reserved. MICROSOFT MAKES NO WARRANTIES, EXPRESS, IMPLIED OR STATUTORY, AS TO THE INFORMATION IN THIS PRESENTATION.</a:t>
+            </a:r>
+            <a:endParaRPr lang="en-US" sz="400" dirty="0">
+              <a:gradFill>
+                <a:gsLst>
+                  <a:gs pos="0">
+                    <a:prstClr val="black"/>
+                  </a:gs>
+                  <a:gs pos="100000">
+                    <a:prstClr val="black"/>
+                  </a:gs>
+                </a:gsLst>
+                <a:lin ang="5400000" scaled="0"/>
+              </a:gradFill>
+              <a:latin typeface="Segoe UI" pitchFamily="34" charset="0"/>
+              <a:ea typeface="Segoe UI" pitchFamily="34" charset="0"/>
+              <a:cs typeface="Segoe UI" pitchFamily="34" charset="0"/>
+            </a:endParaRPr>
+          </a:p>
+        </p:txBody>
+      </p:sp>
+      <p:sp>
+        <p:nvSpPr>
+          <p:cNvPr id="6" name="Date Placeholder 5"/>
+          <p:cNvSpPr>
+            <a:spLocks noGrp="1"/>
+          </p:cNvSpPr>
+          <p:nvPr>
+            <p:ph type="dt" idx="12"/>
+          </p:nvPr>
+        </p:nvSpPr>
+        <p:spPr/>
+        <p:txBody>
+          <a:bodyPr/>
+          <a:lstStyle/>
+          <a:p>
+            <a:fld id="{D18B56EA-E28F-4F92-9F16-7A6F2501B303}" type="datetime8">
+              <a:rPr lang="en-US" smtClean="0"/>
+              <a:t>3/10/20 10:13 AM</a:t>
             </a:fld>
             <a:endParaRPr lang="en-US" dirty="0"/>
           </a:p>
@@ -14571,7 +14934,7 @@
       </a:lvl9pPr>
     </p:otherStyle>
   </p:txStyles>
-  <p:extLst mod="1">
+  <p:extLst>
     <p:ext uri="{27BBF7A9-308A-43DC-89C8-2F10F3537804}">
       <p15:sldGuideLst xmlns:p15="http://schemas.microsoft.com/office/powerpoint/2012/main">
         <p15:guide id="3" pos="1381" userDrawn="1">
@@ -15482,7 +15845,7 @@
             </a:r>
             <a:r>
               <a:rPr lang="en-US" sz="1400" dirty="0"/>
-              <a:t>}` : `site collection ${ </a:t>
+              <a:t>}` : `Site collection: ${ </a:t>
             </a:r>
             <a:r>
               <a:rPr lang="en-US" sz="1400" b="1" dirty="0" err="1"/>

--- a/02-context.pptx
+++ b/02-context.pptx
@@ -256,7 +256,7 @@
               <a:rPr lang="en-US" smtClean="0">
                 <a:latin typeface="Segoe UI" pitchFamily="34" charset="0"/>
               </a:rPr>
-              <a:t>3/10/20 10:13 AM</a:t>
+              <a:t>3/4/2021 6:06 PM</a:t>
             </a:fld>
             <a:endParaRPr lang="en-US" dirty="0">
               <a:latin typeface="Segoe UI" pitchFamily="34" charset="0"/>
@@ -553,7 +553,7 @@
           <a:p>
             <a:fld id="{D18B56EA-E28F-4F92-9F16-7A6F2501B303}" type="datetime8">
               <a:rPr lang="en-US" smtClean="0"/>
-              <a:t>3/10/20 10:13 AM</a:t>
+              <a:t>3/4/2021 6:06 PM</a:t>
             </a:fld>
             <a:endParaRPr lang="en-US" dirty="0"/>
           </a:p>
@@ -936,7 +936,7 @@
           <a:p>
             <a:fld id="{D18B56EA-E28F-4F92-9F16-7A6F2501B303}" type="datetime8">
               <a:rPr lang="en-US" smtClean="0"/>
-              <a:t>3/10/20 10:13 AM</a:t>
+              <a:t>3/4/2021 6:06 PM</a:t>
             </a:fld>
             <a:endParaRPr lang="en-US" dirty="0"/>
           </a:p>
@@ -1123,7 +1123,7 @@
           <a:p>
             <a:fld id="{D18B56EA-E28F-4F92-9F16-7A6F2501B303}" type="datetime8">
               <a:rPr lang="en-US" smtClean="0"/>
-              <a:t>3/10/20 11:55 AM</a:t>
+              <a:t>3/4/2021 6:06 PM</a:t>
             </a:fld>
             <a:endParaRPr lang="en-US" dirty="0"/>
           </a:p>
@@ -1244,25 +1244,50 @@
             <a:endParaRPr lang="en-US" dirty="0"/>
           </a:p>
           <a:p>
+            <a:pPr marL="0" marR="0" lvl="0" indent="0" algn="l" defTabSz="932742" rtl="0" eaLnBrk="1" fontAlgn="auto" latinLnBrk="0" hangingPunct="1">
+              <a:lnSpc>
+                <a:spcPct val="90000"/>
+              </a:lnSpc>
+              <a:spcBef>
+                <a:spcPts val="0"/>
+              </a:spcBef>
+              <a:spcAft>
+                <a:spcPts val="340"/>
+              </a:spcAft>
+              <a:buClrTx/>
+              <a:buSzTx/>
+              <a:buFontTx/>
+              <a:buNone/>
+              <a:tabLst/>
+              <a:defRPr/>
+            </a:pPr>
             <a:r>
               <a:rPr lang="en-US" dirty="0"/>
               <a:t>Microsoft introduced a new context in the SharePoint Framework v1.8 release when they added support for deploying client-side web parts as Microsoft Teams tabs. The `</a:t>
             </a:r>
             <a:r>
-              <a:rPr lang="en-US" dirty="0" err="1"/>
-              <a:t>this.context.microsoftTeams</a:t>
-            </a:r>
-            <a:r>
-              <a:rPr lang="en-US" dirty="0"/>
-              <a:t>` object is a reference </a:t>
-            </a:r>
-            <a:r>
-              <a:rPr lang="en-US" dirty="0" err="1"/>
-              <a:t>ot</a:t>
-            </a:r>
-            <a:r>
-              <a:rPr lang="en-US" dirty="0"/>
-              <a:t> the `</a:t>
+              <a:rPr lang="en-US" b="0" dirty="0" err="1">
+                <a:solidFill>
+                  <a:srgbClr val="0000FF"/>
+                </a:solidFill>
+                <a:effectLst/>
+                <a:latin typeface="Consolas" panose="020B0609020204030204" pitchFamily="49" charset="0"/>
+              </a:rPr>
+              <a:t>this</a:t>
+            </a:r>
+            <a:r>
+              <a:rPr lang="en-US" b="0" dirty="0" err="1">
+                <a:solidFill>
+                  <a:srgbClr val="000000"/>
+                </a:solidFill>
+                <a:effectLst/>
+                <a:latin typeface="Consolas" panose="020B0609020204030204" pitchFamily="49" charset="0"/>
+              </a:rPr>
+              <a:t>.context.sdks.microsoftTeams</a:t>
+            </a:r>
+            <a:r>
+              <a:rPr lang="en-US" dirty="0"/>
+              <a:t>` object is a reference of the `</a:t>
             </a:r>
             <a:r>
               <a:rPr lang="en-US" dirty="0" err="1"/>
@@ -1270,23 +1295,7 @@
             </a:r>
             <a:r>
               <a:rPr lang="en-US" dirty="0"/>
-              <a:t>` object available in the **\@</a:t>
-            </a:r>
-            <a:r>
-              <a:rPr lang="en-US" dirty="0" err="1"/>
-              <a:t>microsoft</a:t>
-            </a:r>
-            <a:r>
-              <a:rPr lang="en-US" dirty="0"/>
-              <a:t>\teams-</a:t>
-            </a:r>
-            <a:r>
-              <a:rPr lang="en-US" dirty="0" err="1"/>
-              <a:t>js</a:t>
-            </a:r>
-            <a:r>
-              <a:rPr lang="en-US" dirty="0"/>
-              <a:t>** package.</a:t>
+              <a:t>` object available in the **\@microsoft\teams-js** package.</a:t>
             </a:r>
           </a:p>
           <a:p>
@@ -1500,6 +1509,23 @@
             <a:endParaRPr lang="en-US" dirty="0"/>
           </a:p>
           <a:p>
+            <a:pPr marL="0" marR="0" lvl="0" indent="0" algn="l" defTabSz="932742" rtl="0" eaLnBrk="1" fontAlgn="auto" latinLnBrk="0" hangingPunct="1">
+              <a:lnSpc>
+                <a:spcPct val="90000"/>
+              </a:lnSpc>
+              <a:spcBef>
+                <a:spcPts val="0"/>
+              </a:spcBef>
+              <a:spcAft>
+                <a:spcPts val="340"/>
+              </a:spcAft>
+              <a:buClrTx/>
+              <a:buSzTx/>
+              <a:buFontTx/>
+              <a:buNone/>
+              <a:tabLst/>
+              <a:defRPr/>
+            </a:pPr>
             <a:r>
               <a:rPr lang="en-US" dirty="0"/>
               <a:t>Next, check to see if the component is running within Microsoft Teams and if so, get a reference to the Microsoft Teams context. This is best done in the component's `</a:t>
@@ -1521,8 +1547,24 @@
               <a:t>()` method checks if the `</a:t>
             </a:r>
             <a:r>
-              <a:rPr lang="en-US" dirty="0" err="1"/>
-              <a:t>this.context.microsoftTeams</a:t>
+              <a:rPr lang="en-US" b="0" dirty="0" err="1">
+                <a:solidFill>
+                  <a:srgbClr val="0000FF"/>
+                </a:solidFill>
+                <a:effectLst/>
+                <a:latin typeface="Consolas" panose="020B0609020204030204" pitchFamily="49" charset="0"/>
+              </a:rPr>
+              <a:t>this</a:t>
+            </a:r>
+            <a:r>
+              <a:rPr lang="en-US" b="0" dirty="0" err="1">
+                <a:solidFill>
+                  <a:srgbClr val="000000"/>
+                </a:solidFill>
+                <a:effectLst/>
+                <a:latin typeface="Consolas" panose="020B0609020204030204" pitchFamily="49" charset="0"/>
+              </a:rPr>
+              <a:t>.context.sdks.microsoftTeams</a:t>
             </a:r>
             <a:r>
               <a:rPr lang="en-US" dirty="0"/>
@@ -1642,7 +1684,7 @@
           <a:p>
             <a:fld id="{D18B56EA-E28F-4F92-9F16-7A6F2501B303}" type="datetime8">
               <a:rPr lang="en-US" smtClean="0"/>
-              <a:t>3/10/20 12:11 PM</a:t>
+              <a:t>3/4/2021 6:06 PM</a:t>
             </a:fld>
             <a:endParaRPr lang="en-US" dirty="0"/>
           </a:p>
@@ -1823,7 +1865,7 @@
           <a:p>
             <a:fld id="{D18B56EA-E28F-4F92-9F16-7A6F2501B303}" type="datetime8">
               <a:rPr lang="en-US" smtClean="0"/>
-              <a:t>3/10/20 10:13 AM</a:t>
+              <a:t>3/4/2021 6:06 PM</a:t>
             </a:fld>
             <a:endParaRPr lang="en-US" dirty="0"/>
           </a:p>
@@ -2004,7 +2046,7 @@
           <a:p>
             <a:fld id="{D18B56EA-E28F-4F92-9F16-7A6F2501B303}" type="datetime8">
               <a:rPr lang="en-US" smtClean="0"/>
-              <a:t>3/10/20 10:13 AM</a:t>
+              <a:t>3/4/2021 6:06 PM</a:t>
             </a:fld>
             <a:endParaRPr lang="en-US" dirty="0"/>
           </a:p>
@@ -2185,7 +2227,7 @@
           <a:p>
             <a:fld id="{D18B56EA-E28F-4F92-9F16-7A6F2501B303}" type="datetime8">
               <a:rPr lang="en-US" smtClean="0"/>
-              <a:t>3/10/20 10:13 AM</a:t>
+              <a:t>3/4/2021 6:06 PM</a:t>
             </a:fld>
             <a:endParaRPr lang="en-US" dirty="0"/>
           </a:p>
@@ -2366,7 +2408,7 @@
           <a:p>
             <a:fld id="{D18B56EA-E28F-4F92-9F16-7A6F2501B303}" type="datetime8">
               <a:rPr lang="en-US" smtClean="0"/>
-              <a:t>3/10/20 10:13 AM</a:t>
+              <a:t>3/4/2021 6:06 PM</a:t>
             </a:fld>
             <a:endParaRPr lang="en-US" dirty="0"/>
           </a:p>
@@ -15635,7 +15677,7 @@
         <p:spPr>
           <a:xfrm>
             <a:off x="464400" y="1178952"/>
-            <a:ext cx="11575200" cy="6087820"/>
+            <a:ext cx="11575200" cy="4849020"/>
           </a:xfrm>
         </p:spPr>
         <p:txBody>
@@ -15701,8 +15743,8 @@
               <a:t>    if (</a:t>
             </a:r>
             <a:r>
-              <a:rPr lang="en-US" sz="1400" b="1" dirty="0" err="1"/>
-              <a:t>this.context.microsoftTeams</a:t>
+              <a:rPr lang="en-US" sz="1400" dirty="0" err="1"/>
+              <a:t>this.context.sdks.microsoftTeams</a:t>
             </a:r>
             <a:r>
               <a:rPr lang="en-US" sz="1400" dirty="0"/>
@@ -15716,49 +15758,23 @@
             </a:r>
             <a:r>
               <a:rPr lang="en-US" sz="1400" b="1" dirty="0" err="1"/>
-              <a:t>this.context.microsoftTeams.getContext</a:t>
+              <a:t>this.teamsContext</a:t>
             </a:r>
             <a:r>
               <a:rPr lang="en-US" sz="1400" b="1" dirty="0"/>
-              <a:t>(context =&gt; {</a:t>
-            </a:r>
-          </a:p>
-          <a:p>
-            <a:r>
-              <a:rPr lang="en-US" sz="1400" b="1" dirty="0"/>
-              <a:t>        </a:t>
-            </a:r>
-            <a:r>
-              <a:rPr lang="en-US" sz="1400" b="1" dirty="0" err="1"/>
-              <a:t>this.teamsContext</a:t>
-            </a:r>
-            <a:r>
-              <a:rPr lang="en-US" sz="1400" b="1" dirty="0"/>
-              <a:t> = context;</a:t>
-            </a:r>
-          </a:p>
-          <a:p>
-            <a:r>
-              <a:rPr lang="en-US" sz="1400" b="1" dirty="0"/>
-              <a:t>        resolve();</a:t>
-            </a:r>
-          </a:p>
-          <a:p>
-            <a:r>
-              <a:rPr lang="en-US" sz="1400" b="1" dirty="0"/>
-              <a:t>      });</a:t>
-            </a:r>
-          </a:p>
-          <a:p>
+              <a:t> </a:t>
+            </a:r>
             <a:r>
               <a:rPr lang="en-US" sz="1400" dirty="0"/>
-              <a:t>    } else {</a:t>
-            </a:r>
-          </a:p>
-          <a:p>
+              <a:t>= </a:t>
+            </a:r>
+            <a:r>
+              <a:rPr lang="en-US" sz="1400" dirty="0" err="1"/>
+              <a:t>this.context.sdks.microsoftTeams.context</a:t>
+            </a:r>
             <a:r>
               <a:rPr lang="en-US" sz="1400" dirty="0"/>
-              <a:t>      resolve();</a:t>
+              <a:t>;</a:t>
             </a:r>
           </a:p>
           <a:p>
@@ -15770,6 +15786,12 @@
           <a:p>
             <a:r>
               <a:rPr lang="en-US" sz="1400" dirty="0"/>
+              <a:t>    resolve();</a:t>
+            </a:r>
+          </a:p>
+          <a:p>
+            <a:r>
+              <a:rPr lang="en-US" sz="1400" dirty="0"/>
               <a:t>  });</a:t>
             </a:r>
           </a:p>
@@ -15778,9 +15800,6 @@
               <a:rPr lang="en-US" sz="1400" dirty="0"/>
               <a:t>}</a:t>
             </a:r>
-          </a:p>
-          <a:p>
-            <a:endParaRPr lang="en-US" sz="1400" dirty="0"/>
           </a:p>
           <a:p>
             <a:r>

--- a/02-context.pptx
+++ b/02-context.pptx
@@ -256,7 +256,7 @@
               <a:rPr lang="en-US" smtClean="0">
                 <a:latin typeface="Segoe UI" pitchFamily="34" charset="0"/>
               </a:rPr>
-              <a:t>3/4/2021 6:06 PM</a:t>
+              <a:t>4/24/2022 1:07 PM</a:t>
             </a:fld>
             <a:endParaRPr lang="en-US" dirty="0">
               <a:latin typeface="Segoe UI" pitchFamily="34" charset="0"/>
@@ -553,7 +553,7 @@
           <a:p>
             <a:fld id="{D18B56EA-E28F-4F92-9F16-7A6F2501B303}" type="datetime8">
               <a:rPr lang="en-US" smtClean="0"/>
-              <a:t>3/4/2021 6:06 PM</a:t>
+              <a:t>4/24/2022 1:07 PM</a:t>
             </a:fld>
             <a:endParaRPr lang="en-US" dirty="0"/>
           </a:p>
@@ -936,7 +936,7 @@
           <a:p>
             <a:fld id="{D18B56EA-E28F-4F92-9F16-7A6F2501B303}" type="datetime8">
               <a:rPr lang="en-US" smtClean="0"/>
-              <a:t>3/4/2021 6:06 PM</a:t>
+              <a:t>4/24/2022 1:07 PM</a:t>
             </a:fld>
             <a:endParaRPr lang="en-US" dirty="0"/>
           </a:p>
@@ -1123,7 +1123,7 @@
           <a:p>
             <a:fld id="{D18B56EA-E28F-4F92-9F16-7A6F2501B303}" type="datetime8">
               <a:rPr lang="en-US" smtClean="0"/>
-              <a:t>3/4/2021 6:06 PM</a:t>
+              <a:t>4/24/2022 1:07 PM</a:t>
             </a:fld>
             <a:endParaRPr lang="en-US" dirty="0"/>
           </a:p>
@@ -1486,106 +1486,7 @@
           <a:p>
             <a:r>
               <a:rPr lang="en-US" dirty="0"/>
-              <a:t>First, you need to import a reference for the **\@</a:t>
-            </a:r>
-            <a:r>
-              <a:rPr lang="en-US" dirty="0" err="1"/>
-              <a:t>microsoft</a:t>
-            </a:r>
-            <a:r>
-              <a:rPr lang="en-US" dirty="0"/>
-              <a:t>/teams-</a:t>
-            </a:r>
-            <a:r>
-              <a:rPr lang="en-US" dirty="0" err="1"/>
-              <a:t>js</a:t>
-            </a:r>
-            <a:r>
-              <a:rPr lang="en-US" dirty="0"/>
-              <a:t>** package.</a:t>
-            </a:r>
-          </a:p>
-          <a:p>
-            <a:endParaRPr lang="en-US" dirty="0"/>
-          </a:p>
-          <a:p>
-            <a:pPr marL="0" marR="0" lvl="0" indent="0" algn="l" defTabSz="932742" rtl="0" eaLnBrk="1" fontAlgn="auto" latinLnBrk="0" hangingPunct="1">
-              <a:lnSpc>
-                <a:spcPct val="90000"/>
-              </a:lnSpc>
-              <a:spcBef>
-                <a:spcPts val="0"/>
-              </a:spcBef>
-              <a:spcAft>
-                <a:spcPts val="340"/>
-              </a:spcAft>
-              <a:buClrTx/>
-              <a:buSzTx/>
-              <a:buFontTx/>
-              <a:buNone/>
-              <a:tabLst/>
-              <a:defRPr/>
-            </a:pPr>
-            <a:r>
-              <a:rPr lang="en-US" dirty="0"/>
-              <a:t>Next, check to see if the component is running within Microsoft Teams and if so, get a reference to the Microsoft Teams context. This is best done in the component's `</a:t>
-            </a:r>
-            <a:r>
-              <a:rPr lang="en-US" dirty="0" err="1"/>
-              <a:t>onInit</a:t>
-            </a:r>
-            <a:r>
-              <a:rPr lang="en-US" dirty="0"/>
-              <a:t>()` method when it is added to the page. In this code, notice how the `</a:t>
-            </a:r>
-            <a:r>
-              <a:rPr lang="en-US" dirty="0" err="1"/>
-              <a:t>onInit</a:t>
-            </a:r>
-            <a:r>
-              <a:rPr lang="en-US" dirty="0"/>
-              <a:t>()` method checks if the `</a:t>
-            </a:r>
-            <a:r>
-              <a:rPr lang="en-US" b="0" dirty="0" err="1">
-                <a:solidFill>
-                  <a:srgbClr val="0000FF"/>
-                </a:solidFill>
-                <a:effectLst/>
-                <a:latin typeface="Consolas" panose="020B0609020204030204" pitchFamily="49" charset="0"/>
-              </a:rPr>
-              <a:t>this</a:t>
-            </a:r>
-            <a:r>
-              <a:rPr lang="en-US" b="0" dirty="0" err="1">
-                <a:solidFill>
-                  <a:srgbClr val="000000"/>
-                </a:solidFill>
-                <a:effectLst/>
-                <a:latin typeface="Consolas" panose="020B0609020204030204" pitchFamily="49" charset="0"/>
-              </a:rPr>
-              <a:t>.context.sdks.microsoftTeams</a:t>
-            </a:r>
-            <a:r>
-              <a:rPr lang="en-US" dirty="0"/>
-              <a:t>` object is defined. If it is, it calls the `</a:t>
-            </a:r>
-            <a:r>
-              <a:rPr lang="en-US" dirty="0" err="1"/>
-              <a:t>getContext</a:t>
-            </a:r>
-            <a:r>
-              <a:rPr lang="en-US" dirty="0"/>
-              <a:t>()` method to request the Microsoft Teams context. This method passes the populated Microsoft Teams context into a callback that we can make a copy of.</a:t>
-            </a:r>
-          </a:p>
-          <a:p>
-            <a:endParaRPr lang="en-US" dirty="0"/>
-          </a:p>
-          <a:p>
-            <a:r>
-              <a:rPr lang="en-US" dirty="0"/>
-              <a:t>Finally, using the context, your code can check if the web part is running in SharePoint or Microsoft Teams and display the current site or team name depending on the scenario.</a:t>
+              <a:t>The code sample below contains a method that constructs a message indicating whether the web part is running in SharePoint or Teams, it also uses the appropriate context object to include the name of the team or SharePoint site where the web part is currently running.</a:t>
             </a:r>
           </a:p>
         </p:txBody>
@@ -1684,7 +1585,7 @@
           <a:p>
             <a:fld id="{D18B56EA-E28F-4F92-9F16-7A6F2501B303}" type="datetime8">
               <a:rPr lang="en-US" smtClean="0"/>
-              <a:t>3/4/2021 6:06 PM</a:t>
+              <a:t>4/24/2022 1:07 PM</a:t>
             </a:fld>
             <a:endParaRPr lang="en-US" dirty="0"/>
           </a:p>
@@ -1865,7 +1766,7 @@
           <a:p>
             <a:fld id="{D18B56EA-E28F-4F92-9F16-7A6F2501B303}" type="datetime8">
               <a:rPr lang="en-US" smtClean="0"/>
-              <a:t>3/4/2021 6:06 PM</a:t>
+              <a:t>4/24/2022 1:07 PM</a:t>
             </a:fld>
             <a:endParaRPr lang="en-US" dirty="0"/>
           </a:p>
@@ -2046,7 +1947,7 @@
           <a:p>
             <a:fld id="{D18B56EA-E28F-4F92-9F16-7A6F2501B303}" type="datetime8">
               <a:rPr lang="en-US" smtClean="0"/>
-              <a:t>3/4/2021 6:06 PM</a:t>
+              <a:t>4/24/2022 1:07 PM</a:t>
             </a:fld>
             <a:endParaRPr lang="en-US" dirty="0"/>
           </a:p>
@@ -2227,7 +2128,7 @@
           <a:p>
             <a:fld id="{D18B56EA-E28F-4F92-9F16-7A6F2501B303}" type="datetime8">
               <a:rPr lang="en-US" smtClean="0"/>
-              <a:t>3/4/2021 6:06 PM</a:t>
+              <a:t>4/24/2022 1:07 PM</a:t>
             </a:fld>
             <a:endParaRPr lang="en-US" dirty="0"/>
           </a:p>
@@ -2408,7 +2309,7 @@
           <a:p>
             <a:fld id="{D18B56EA-E28F-4F92-9F16-7A6F2501B303}" type="datetime8">
               <a:rPr lang="en-US" smtClean="0"/>
-              <a:t>3/4/2021 6:06 PM</a:t>
+              <a:t>4/24/2022 1:07 PM</a:t>
             </a:fld>
             <a:endParaRPr lang="en-US" dirty="0"/>
           </a:p>
@@ -15679,76 +15580,66 @@
             <a:off x="464400" y="1178952"/>
             <a:ext cx="11575200" cy="4849020"/>
           </a:xfrm>
+          <a:ln>
+            <a:solidFill>
+              <a:schemeClr val="bg2">
+                <a:lumMod val="50000"/>
+              </a:schemeClr>
+            </a:solidFill>
+          </a:ln>
         </p:spPr>
         <p:txBody>
           <a:bodyPr/>
           <a:lstStyle/>
           <a:p>
             <a:r>
-              <a:rPr lang="en-US" sz="1400" b="1" dirty="0"/>
-              <a:t>private </a:t>
+              <a:rPr lang="en-US" sz="1400" dirty="0"/>
+              <a:t>private _</a:t>
+            </a:r>
+            <a:r>
+              <a:rPr lang="en-US" sz="1400" dirty="0" err="1"/>
+              <a:t>getEnvironmentMessage</a:t>
+            </a:r>
+            <a:r>
+              <a:rPr lang="en-US" sz="1400" dirty="0"/>
+              <a:t>(): string {</a:t>
+            </a:r>
+          </a:p>
+          <a:p>
+            <a:r>
+              <a:rPr lang="en-US" sz="1400" dirty="0"/>
+              <a:t>  let message: string = "";</a:t>
+            </a:r>
+          </a:p>
+          <a:p>
+            <a:endParaRPr lang="en-US" sz="1400" dirty="0"/>
+          </a:p>
+          <a:p>
+            <a:r>
+              <a:rPr lang="en-US" sz="1400" dirty="0"/>
+              <a:t>  if (!!</a:t>
             </a:r>
             <a:r>
               <a:rPr lang="en-US" sz="1400" b="1" dirty="0" err="1"/>
-              <a:t>teamsContext</a:t>
-            </a:r>
-            <a:r>
-              <a:rPr lang="en-US" sz="1400" b="1" dirty="0"/>
-              <a:t>: </a:t>
-            </a:r>
-            <a:r>
-              <a:rPr lang="en-US" sz="1400" b="1" dirty="0" err="1"/>
-              <a:t>microsoftTeams.Context</a:t>
-            </a:r>
-            <a:r>
-              <a:rPr lang="en-US" sz="1400" b="1" dirty="0"/>
-              <a:t>; </a:t>
-            </a:r>
-          </a:p>
-          <a:p>
-            <a:endParaRPr lang="en-US" sz="1400" dirty="0"/>
-          </a:p>
-          <a:p>
+              <a:t>this.context.sdks.microsoftTeams</a:t>
+            </a:r>
             <a:r>
               <a:rPr lang="en-US" sz="1400" dirty="0"/>
-              <a:t>...</a:t>
-            </a:r>
-          </a:p>
-          <a:p>
-            <a:endParaRPr lang="en-US" sz="1400" dirty="0"/>
+              <a:t>) { // running in Teams</a:t>
+            </a:r>
           </a:p>
           <a:p>
             <a:r>
               <a:rPr lang="en-US" sz="1400" dirty="0"/>
-              <a:t>protected </a:t>
+              <a:t>    message = </a:t>
             </a:r>
             <a:r>
               <a:rPr lang="en-US" sz="1400" dirty="0" err="1"/>
-              <a:t>onInit</a:t>
+              <a:t>this.context.isServedFromLocalhost</a:t>
             </a:r>
             <a:r>
               <a:rPr lang="en-US" sz="1400" dirty="0"/>
-              <a:t>(): Promise&lt;void&gt; {</a:t>
-            </a:r>
-          </a:p>
-          <a:p>
-            <a:r>
-              <a:rPr lang="en-US" sz="1400" dirty="0"/>
-              <a:t>  return new Promise&lt;void&gt;((resolve, reject) =&gt; {</a:t>
-            </a:r>
-          </a:p>
-          <a:p>
-            <a:r>
-              <a:rPr lang="en-US" sz="1400" dirty="0"/>
-              <a:t>    if (</a:t>
-            </a:r>
-            <a:r>
-              <a:rPr lang="en-US" sz="1400" dirty="0" err="1"/>
-              <a:t>this.context.sdks.microsoftTeams</a:t>
-            </a:r>
-            <a:r>
-              <a:rPr lang="en-US" sz="1400" dirty="0"/>
-              <a:t>) {</a:t>
+              <a:t> ?</a:t>
             </a:r>
           </a:p>
           <a:p>
@@ -15757,20 +15648,22 @@
               <a:t>      </a:t>
             </a:r>
             <a:r>
-              <a:rPr lang="en-US" sz="1400" b="1" dirty="0" err="1"/>
-              <a:t>this.teamsContext</a:t>
-            </a:r>
-            <a:r>
-              <a:rPr lang="en-US" sz="1400" b="1" dirty="0"/>
-              <a:t> </a:t>
+              <a:rPr lang="en-US" sz="1400" dirty="0" err="1"/>
+              <a:t>strings.AppLocalEnvironmentTeams</a:t>
             </a:r>
             <a:r>
               <a:rPr lang="en-US" sz="1400" dirty="0"/>
-              <a:t>= </a:t>
+              <a:t> :</a:t>
+            </a:r>
+          </a:p>
+          <a:p>
+            <a:r>
+              <a:rPr lang="en-US" sz="1400" dirty="0"/>
+              <a:t>      </a:t>
             </a:r>
             <a:r>
               <a:rPr lang="en-US" sz="1400" dirty="0" err="1"/>
-              <a:t>this.context.sdks.microsoftTeams.context</a:t>
+              <a:t>strings.AppTeamsTabEnvironment</a:t>
             </a:r>
             <a:r>
               <a:rPr lang="en-US" sz="1400" dirty="0"/>
@@ -15778,21 +15671,100 @@
             </a:r>
           </a:p>
           <a:p>
+            <a:endParaRPr lang="en-US" sz="1400" dirty="0"/>
+          </a:p>
+          <a:p>
             <a:r>
               <a:rPr lang="en-US" sz="1400" dirty="0"/>
-              <a:t>    }</a:t>
-            </a:r>
-          </a:p>
-          <a:p>
+              <a:t>    message += ". Team name: " + </a:t>
+            </a:r>
+            <a:r>
+              <a:rPr lang="en-US" sz="1400" b="1" dirty="0" err="1"/>
+              <a:t>this.context.sdks.microsoftTeams.context.teamName</a:t>
+            </a:r>
             <a:r>
               <a:rPr lang="en-US" sz="1400" dirty="0"/>
-              <a:t>    resolve();</a:t>
+              <a:t>;</a:t>
             </a:r>
           </a:p>
           <a:p>
             <a:r>
               <a:rPr lang="en-US" sz="1400" dirty="0"/>
-              <a:t>  });</a:t>
+              <a:t>  } else {</a:t>
+            </a:r>
+          </a:p>
+          <a:p>
+            <a:r>
+              <a:rPr lang="en-US" sz="1400" dirty="0"/>
+              <a:t>    message = </a:t>
+            </a:r>
+            <a:r>
+              <a:rPr lang="en-US" sz="1400" dirty="0" err="1"/>
+              <a:t>this.context.isServedFromLocalhost</a:t>
+            </a:r>
+            <a:r>
+              <a:rPr lang="en-US" sz="1400" dirty="0"/>
+              <a:t> ?</a:t>
+            </a:r>
+          </a:p>
+          <a:p>
+            <a:r>
+              <a:rPr lang="en-US" sz="1400" dirty="0"/>
+              <a:t>      </a:t>
+            </a:r>
+            <a:r>
+              <a:rPr lang="en-US" sz="1400" dirty="0" err="1"/>
+              <a:t>strings.AppLocalEnvironmentSharePoint</a:t>
+            </a:r>
+            <a:r>
+              <a:rPr lang="en-US" sz="1400" dirty="0"/>
+              <a:t> :</a:t>
+            </a:r>
+          </a:p>
+          <a:p>
+            <a:r>
+              <a:rPr lang="en-US" sz="1400" dirty="0"/>
+              <a:t>      </a:t>
+            </a:r>
+            <a:r>
+              <a:rPr lang="en-US" sz="1400" dirty="0" err="1"/>
+              <a:t>strings.AppSharePointEnvironment</a:t>
+            </a:r>
+            <a:r>
+              <a:rPr lang="en-US" sz="1400" dirty="0"/>
+              <a:t>;</a:t>
+            </a:r>
+          </a:p>
+          <a:p>
+            <a:endParaRPr lang="en-US" sz="1400" dirty="0"/>
+          </a:p>
+          <a:p>
+            <a:r>
+              <a:rPr lang="en-US" sz="1400" dirty="0"/>
+              <a:t>    message += ". Site name: " + </a:t>
+            </a:r>
+            <a:r>
+              <a:rPr lang="en-US" sz="1400" b="1" dirty="0" err="1"/>
+              <a:t>this.context.pageContext.web.title</a:t>
+            </a:r>
+            <a:r>
+              <a:rPr lang="en-US" sz="1400" dirty="0"/>
+              <a:t>;</a:t>
+            </a:r>
+          </a:p>
+          <a:p>
+            <a:r>
+              <a:rPr lang="en-US" sz="1400" dirty="0"/>
+              <a:t>  }</a:t>
+            </a:r>
+          </a:p>
+          <a:p>
+            <a:endParaRPr lang="en-US" sz="1400" dirty="0"/>
+          </a:p>
+          <a:p>
+            <a:r>
+              <a:rPr lang="en-US" sz="1400" dirty="0"/>
+              <a:t>  return message;</a:t>
             </a:r>
           </a:p>
           <a:p>
@@ -15800,83 +15772,6 @@
               <a:rPr lang="en-US" sz="1400" dirty="0"/>
               <a:t>}</a:t>
             </a:r>
-          </a:p>
-          <a:p>
-            <a:r>
-              <a:rPr lang="en-US" sz="1400" dirty="0"/>
-              <a:t>...</a:t>
-            </a:r>
-          </a:p>
-          <a:p>
-            <a:endParaRPr lang="en-US" sz="1400" dirty="0"/>
-          </a:p>
-          <a:p>
-            <a:r>
-              <a:rPr lang="en-US" sz="1400" dirty="0"/>
-              <a:t>let title: string = (</a:t>
-            </a:r>
-            <a:r>
-              <a:rPr lang="en-US" sz="1400" b="1" dirty="0" err="1"/>
-              <a:t>this.teamsContext</a:t>
-            </a:r>
-            <a:r>
-              <a:rPr lang="en-US" sz="1400" dirty="0"/>
-              <a:t>) ? 'Teams' : 'SharePoint’;</a:t>
-            </a:r>
-          </a:p>
-          <a:p>
-            <a:endParaRPr lang="en-US" sz="1400" dirty="0"/>
-          </a:p>
-          <a:p>
-            <a:r>
-              <a:rPr lang="en-US" sz="1400" dirty="0"/>
-              <a:t>let </a:t>
-            </a:r>
-            <a:r>
-              <a:rPr lang="en-US" sz="1400" dirty="0" err="1"/>
-              <a:t>currentLocation</a:t>
-            </a:r>
-            <a:r>
-              <a:rPr lang="en-US" sz="1400" dirty="0"/>
-              <a:t>: string = (</a:t>
-            </a:r>
-            <a:r>
-              <a:rPr lang="en-US" sz="1400" b="1" dirty="0" err="1"/>
-              <a:t>this.teamsContext</a:t>
-            </a:r>
-            <a:r>
-              <a:rPr lang="en-US" sz="1400" dirty="0"/>
-              <a:t>) </a:t>
-            </a:r>
-          </a:p>
-          <a:p>
-            <a:r>
-              <a:rPr lang="en-US" sz="1400" dirty="0"/>
-              <a:t>  ? `Team: ${ </a:t>
-            </a:r>
-            <a:r>
-              <a:rPr lang="en-US" sz="1400" b="1" dirty="0" err="1"/>
-              <a:t>this.teamsContext.teamName</a:t>
-            </a:r>
-            <a:r>
-              <a:rPr lang="en-US" sz="1400" b="1" dirty="0"/>
-              <a:t> </a:t>
-            </a:r>
-            <a:r>
-              <a:rPr lang="en-US" sz="1400" dirty="0"/>
-              <a:t>}` : `Site collection: ${ </a:t>
-            </a:r>
-            <a:r>
-              <a:rPr lang="en-US" sz="1400" b="1" dirty="0" err="1"/>
-              <a:t>this.context.pageContext.web.title</a:t>
-            </a:r>
-            <a:r>
-              <a:rPr lang="en-US" sz="1400" dirty="0"/>
-              <a:t> }`;</a:t>
-            </a:r>
-          </a:p>
-          <a:p>
-            <a:endParaRPr lang="en-US" sz="1400" dirty="0"/>
           </a:p>
         </p:txBody>
       </p:sp>

--- a/02-context.pptx
+++ b/02-context.pptx
@@ -256,7 +256,7 @@
               <a:rPr lang="en-US" smtClean="0">
                 <a:latin typeface="Segoe UI" pitchFamily="34" charset="0"/>
               </a:rPr>
-              <a:t>4/24/2022 1:07 PM</a:t>
+              <a:t>11/20/2022 9:21 AM</a:t>
             </a:fld>
             <a:endParaRPr lang="en-US" dirty="0">
               <a:latin typeface="Segoe UI" pitchFamily="34" charset="0"/>
@@ -553,7 +553,7 @@
           <a:p>
             <a:fld id="{D18B56EA-E28F-4F92-9F16-7A6F2501B303}" type="datetime8">
               <a:rPr lang="en-US" smtClean="0"/>
-              <a:t>4/24/2022 1:07 PM</a:t>
+              <a:t>11/20/2022 9:21 AM</a:t>
             </a:fld>
             <a:endParaRPr lang="en-US" dirty="0"/>
           </a:p>
@@ -936,7 +936,7 @@
           <a:p>
             <a:fld id="{D18B56EA-E28F-4F92-9F16-7A6F2501B303}" type="datetime8">
               <a:rPr lang="en-US" smtClean="0"/>
-              <a:t>4/24/2022 1:07 PM</a:t>
+              <a:t>11/20/2022 9:21 AM</a:t>
             </a:fld>
             <a:endParaRPr lang="en-US" dirty="0"/>
           </a:p>
@@ -1123,7 +1123,7 @@
           <a:p>
             <a:fld id="{D18B56EA-E28F-4F92-9F16-7A6F2501B303}" type="datetime8">
               <a:rPr lang="en-US" smtClean="0"/>
-              <a:t>4/24/2022 1:07 PM</a:t>
+              <a:t>11/20/2022 9:21 AM</a:t>
             </a:fld>
             <a:endParaRPr lang="en-US" dirty="0"/>
           </a:p>
@@ -1585,7 +1585,7 @@
           <a:p>
             <a:fld id="{D18B56EA-E28F-4F92-9F16-7A6F2501B303}" type="datetime8">
               <a:rPr lang="en-US" smtClean="0"/>
-              <a:t>4/24/2022 1:07 PM</a:t>
+              <a:t>11/20/2022 9:21 AM</a:t>
             </a:fld>
             <a:endParaRPr lang="en-US" dirty="0"/>
           </a:p>
@@ -1766,7 +1766,7 @@
           <a:p>
             <a:fld id="{D18B56EA-E28F-4F92-9F16-7A6F2501B303}" type="datetime8">
               <a:rPr lang="en-US" smtClean="0"/>
-              <a:t>4/24/2022 1:07 PM</a:t>
+              <a:t>11/20/2022 9:21 AM</a:t>
             </a:fld>
             <a:endParaRPr lang="en-US" dirty="0"/>
           </a:p>
@@ -1947,7 +1947,7 @@
           <a:p>
             <a:fld id="{D18B56EA-E28F-4F92-9F16-7A6F2501B303}" type="datetime8">
               <a:rPr lang="en-US" smtClean="0"/>
-              <a:t>4/24/2022 1:07 PM</a:t>
+              <a:t>11/20/2022 9:21 AM</a:t>
             </a:fld>
             <a:endParaRPr lang="en-US" dirty="0"/>
           </a:p>
@@ -2128,7 +2128,7 @@
           <a:p>
             <a:fld id="{D18B56EA-E28F-4F92-9F16-7A6F2501B303}" type="datetime8">
               <a:rPr lang="en-US" smtClean="0"/>
-              <a:t>4/24/2022 1:07 PM</a:t>
+              <a:t>11/20/2022 9:21 AM</a:t>
             </a:fld>
             <a:endParaRPr lang="en-US" dirty="0"/>
           </a:p>
@@ -2309,7 +2309,7 @@
           <a:p>
             <a:fld id="{D18B56EA-E28F-4F92-9F16-7A6F2501B303}" type="datetime8">
               <a:rPr lang="en-US" smtClean="0"/>
-              <a:t>4/24/2022 1:07 PM</a:t>
+              <a:t>11/20/2022 9:21 AM</a:t>
             </a:fld>
             <a:endParaRPr lang="en-US" dirty="0"/>
           </a:p>
@@ -16516,7 +16516,7 @@
         <p:spPr>
           <a:xfrm>
             <a:off x="465138" y="1930734"/>
-            <a:ext cx="11533187" cy="1661993"/>
+            <a:ext cx="11533187" cy="1692771"/>
           </a:xfrm>
         </p:spPr>
         <p:txBody>
@@ -16563,7 +16563,7 @@
                 <a:latin typeface="+mj-lt"/>
                 <a:hlinkClick r:id="rId3"/>
               </a:rPr>
-              <a:t>https://docs.microsoft.com/sharepoint/dev/spfx/sharepoint-framework-overview</a:t>
+              <a:t>https://learn.microsoft.com/sharepoint/dev/spfx/sharepoint-framework-overview</a:t>
             </a:r>
             <a:endParaRPr lang="en-US" sz="1800" dirty="0">
               <a:latin typeface="+mj-lt"/>
@@ -16614,14 +16614,14 @@
               <a:defRPr/>
             </a:pPr>
             <a:r>
-              <a:rPr lang="en-US" sz="1600" dirty="0">
+              <a:rPr lang="en-US" sz="1800" dirty="0">
                 <a:latin typeface="+mj-lt"/>
                 <a:hlinkClick r:id="rId4"/>
               </a:rPr>
-              <a:t>https://docs.microsoft.com/sharepoint/dev/spfx/integrate-with-teams-introduction</a:t>
-            </a:r>
-            <a:r>
-              <a:rPr lang="en-US" sz="1600" dirty="0">
+              <a:t>https://learn.microsoft.com/sharepoint/dev/spfx/integrate-with-teams-introduction</a:t>
+            </a:r>
+            <a:r>
+              <a:rPr lang="en-US" sz="1800" dirty="0">
                 <a:latin typeface="+mj-lt"/>
               </a:rPr>
               <a:t> </a:t>
